--- a/ppt 16-9/0499.点燃复兴的火焰.pptx
+++ b/ppt 16-9/0499.点燃复兴的火焰.pptx
@@ -129,7 +129,7 @@
           <p:cNvPr id="2" name="标题 1">
             <a:extLst>
               <a:ext uri="{FF2B5EF4-FFF2-40B4-BE49-F238E27FC236}">
-                <a16:creationId xmlns:a16="http://schemas.microsoft.com/office/drawing/2014/main" id="{EBFBC696-51B6-8626-3124-C8AFF2D19286}"/>
+                <a16:creationId xmlns:a16="http://schemas.microsoft.com/office/drawing/2014/main" id="{CEEBA51B-1F68-1B03-16FA-A83D29EE05D2}"/>
               </a:ext>
             </a:extLst>
           </p:cNvPr>
@@ -166,7 +166,7 @@
           <p:cNvPr id="3" name="副标题 2">
             <a:extLst>
               <a:ext uri="{FF2B5EF4-FFF2-40B4-BE49-F238E27FC236}">
-                <a16:creationId xmlns:a16="http://schemas.microsoft.com/office/drawing/2014/main" id="{40BD1A59-BCD6-8F06-5B37-D491D49E3426}"/>
+                <a16:creationId xmlns:a16="http://schemas.microsoft.com/office/drawing/2014/main" id="{2CA79FF7-E42C-EFFB-53D5-B773A3CD5CEB}"/>
               </a:ext>
             </a:extLst>
           </p:cNvPr>
@@ -236,7 +236,7 @@
           <p:cNvPr id="4" name="日期占位符 3">
             <a:extLst>
               <a:ext uri="{FF2B5EF4-FFF2-40B4-BE49-F238E27FC236}">
-                <a16:creationId xmlns:a16="http://schemas.microsoft.com/office/drawing/2014/main" id="{A01436E3-47DC-FAFC-DA86-54F32FBCEC94}"/>
+                <a16:creationId xmlns:a16="http://schemas.microsoft.com/office/drawing/2014/main" id="{43ECB5D1-E60F-5BE9-B34F-55C9F50B0C18}"/>
               </a:ext>
             </a:extLst>
           </p:cNvPr>
@@ -252,7 +252,7 @@
           <a:bodyPr/>
           <a:lstStyle/>
           <a:p>
-            <a:fld id="{DEC9EAFF-E85B-44CE-AF6D-43AA52B1D699}" type="datetimeFigureOut">
+            <a:fld id="{3224800E-920C-4FD7-8A79-2AB57D85C3F0}" type="datetimeFigureOut">
               <a:rPr lang="zh-CN" altLang="en-US" smtClean="0"/>
               <a:t>2024/3/10</a:t>
             </a:fld>
@@ -265,7 +265,7 @@
           <p:cNvPr id="5" name="页脚占位符 4">
             <a:extLst>
               <a:ext uri="{FF2B5EF4-FFF2-40B4-BE49-F238E27FC236}">
-                <a16:creationId xmlns:a16="http://schemas.microsoft.com/office/drawing/2014/main" id="{55DC48DF-C457-F2C8-A589-6DFEC960410F}"/>
+                <a16:creationId xmlns:a16="http://schemas.microsoft.com/office/drawing/2014/main" id="{32B3D875-75E4-9E92-1316-5729A876DF42}"/>
               </a:ext>
             </a:extLst>
           </p:cNvPr>
@@ -290,7 +290,7 @@
           <p:cNvPr id="6" name="灯片编号占位符 5">
             <a:extLst>
               <a:ext uri="{FF2B5EF4-FFF2-40B4-BE49-F238E27FC236}">
-                <a16:creationId xmlns:a16="http://schemas.microsoft.com/office/drawing/2014/main" id="{0096CBB7-6CB2-1175-6CDC-1006C6130D6C}"/>
+                <a16:creationId xmlns:a16="http://schemas.microsoft.com/office/drawing/2014/main" id="{A58428D0-2236-9254-4B7D-B646C9598B06}"/>
               </a:ext>
             </a:extLst>
           </p:cNvPr>
@@ -306,7 +306,7 @@
           <a:bodyPr/>
           <a:lstStyle/>
           <a:p>
-            <a:fld id="{BD41FB7B-6413-4207-8554-14B4ED57B00B}" type="slidenum">
+            <a:fld id="{4223E149-80CC-401F-B667-D2F458D53932}" type="slidenum">
               <a:rPr lang="zh-CN" altLang="en-US" smtClean="0"/>
               <a:t>‹#›</a:t>
             </a:fld>
@@ -317,7 +317,7 @@
     </p:spTree>
     <p:extLst>
       <p:ext uri="{BB962C8B-B14F-4D97-AF65-F5344CB8AC3E}">
-        <p14:creationId xmlns:p14="http://schemas.microsoft.com/office/powerpoint/2010/main" val="2953585005"/>
+        <p14:creationId xmlns:p14="http://schemas.microsoft.com/office/powerpoint/2010/main" val="3437968150"/>
       </p:ext>
     </p:extLst>
   </p:cSld>
@@ -349,7 +349,7 @@
           <p:cNvPr id="2" name="标题 1">
             <a:extLst>
               <a:ext uri="{FF2B5EF4-FFF2-40B4-BE49-F238E27FC236}">
-                <a16:creationId xmlns:a16="http://schemas.microsoft.com/office/drawing/2014/main" id="{6E3560C4-E770-9D03-80AF-AB941F1EC709}"/>
+                <a16:creationId xmlns:a16="http://schemas.microsoft.com/office/drawing/2014/main" id="{A3755F9F-776D-1CE8-1778-8E7913DAE94C}"/>
               </a:ext>
             </a:extLst>
           </p:cNvPr>
@@ -377,7 +377,7 @@
           <p:cNvPr id="3" name="竖排文字占位符 2">
             <a:extLst>
               <a:ext uri="{FF2B5EF4-FFF2-40B4-BE49-F238E27FC236}">
-                <a16:creationId xmlns:a16="http://schemas.microsoft.com/office/drawing/2014/main" id="{81D5DDE9-6EF3-E3A2-AC64-FC6FD33B6AC3}"/>
+                <a16:creationId xmlns:a16="http://schemas.microsoft.com/office/drawing/2014/main" id="{E23E0653-B6D8-110F-D399-F05DB666C53D}"/>
               </a:ext>
             </a:extLst>
           </p:cNvPr>
@@ -434,7 +434,7 @@
           <p:cNvPr id="4" name="日期占位符 3">
             <a:extLst>
               <a:ext uri="{FF2B5EF4-FFF2-40B4-BE49-F238E27FC236}">
-                <a16:creationId xmlns:a16="http://schemas.microsoft.com/office/drawing/2014/main" id="{5EDA2BE7-93A8-14AA-7482-885F5B1F8A05}"/>
+                <a16:creationId xmlns:a16="http://schemas.microsoft.com/office/drawing/2014/main" id="{805BCD92-1235-E65C-2308-B7C65AF0AD56}"/>
               </a:ext>
             </a:extLst>
           </p:cNvPr>
@@ -450,7 +450,7 @@
           <a:bodyPr/>
           <a:lstStyle/>
           <a:p>
-            <a:fld id="{DEC9EAFF-E85B-44CE-AF6D-43AA52B1D699}" type="datetimeFigureOut">
+            <a:fld id="{3224800E-920C-4FD7-8A79-2AB57D85C3F0}" type="datetimeFigureOut">
               <a:rPr lang="zh-CN" altLang="en-US" smtClean="0"/>
               <a:t>2024/3/10</a:t>
             </a:fld>
@@ -463,7 +463,7 @@
           <p:cNvPr id="5" name="页脚占位符 4">
             <a:extLst>
               <a:ext uri="{FF2B5EF4-FFF2-40B4-BE49-F238E27FC236}">
-                <a16:creationId xmlns:a16="http://schemas.microsoft.com/office/drawing/2014/main" id="{9D7BE252-87F3-9A54-792C-5B2B9C28F5F3}"/>
+                <a16:creationId xmlns:a16="http://schemas.microsoft.com/office/drawing/2014/main" id="{AD2C3207-E995-D1B2-86A4-DBD45EEBED53}"/>
               </a:ext>
             </a:extLst>
           </p:cNvPr>
@@ -488,7 +488,7 @@
           <p:cNvPr id="6" name="灯片编号占位符 5">
             <a:extLst>
               <a:ext uri="{FF2B5EF4-FFF2-40B4-BE49-F238E27FC236}">
-                <a16:creationId xmlns:a16="http://schemas.microsoft.com/office/drawing/2014/main" id="{A4936AD2-6045-76BD-825C-A3ECBB71E52E}"/>
+                <a16:creationId xmlns:a16="http://schemas.microsoft.com/office/drawing/2014/main" id="{B7A2F357-CF7F-A1B6-29A8-1B32BB417620}"/>
               </a:ext>
             </a:extLst>
           </p:cNvPr>
@@ -504,7 +504,7 @@
           <a:bodyPr/>
           <a:lstStyle/>
           <a:p>
-            <a:fld id="{BD41FB7B-6413-4207-8554-14B4ED57B00B}" type="slidenum">
+            <a:fld id="{4223E149-80CC-401F-B667-D2F458D53932}" type="slidenum">
               <a:rPr lang="zh-CN" altLang="en-US" smtClean="0"/>
               <a:t>‹#›</a:t>
             </a:fld>
@@ -515,7 +515,7 @@
     </p:spTree>
     <p:extLst>
       <p:ext uri="{BB962C8B-B14F-4D97-AF65-F5344CB8AC3E}">
-        <p14:creationId xmlns:p14="http://schemas.microsoft.com/office/powerpoint/2010/main" val="3476577635"/>
+        <p14:creationId xmlns:p14="http://schemas.microsoft.com/office/powerpoint/2010/main" val="2513317453"/>
       </p:ext>
     </p:extLst>
   </p:cSld>
@@ -547,7 +547,7 @@
           <p:cNvPr id="2" name="竖排标题 1">
             <a:extLst>
               <a:ext uri="{FF2B5EF4-FFF2-40B4-BE49-F238E27FC236}">
-                <a16:creationId xmlns:a16="http://schemas.microsoft.com/office/drawing/2014/main" id="{3B65D5EF-B4F9-CDB0-B37A-1EC0132DD5CC}"/>
+                <a16:creationId xmlns:a16="http://schemas.microsoft.com/office/drawing/2014/main" id="{2136425C-3D45-0B5D-3C5D-4E0E6FAC2667}"/>
               </a:ext>
             </a:extLst>
           </p:cNvPr>
@@ -580,7 +580,7 @@
           <p:cNvPr id="3" name="竖排文字占位符 2">
             <a:extLst>
               <a:ext uri="{FF2B5EF4-FFF2-40B4-BE49-F238E27FC236}">
-                <a16:creationId xmlns:a16="http://schemas.microsoft.com/office/drawing/2014/main" id="{B1EAFC9C-777B-0782-C3BE-C7C7D097580D}"/>
+                <a16:creationId xmlns:a16="http://schemas.microsoft.com/office/drawing/2014/main" id="{4759F91A-B18F-7552-40D0-B9A8606E4175}"/>
               </a:ext>
             </a:extLst>
           </p:cNvPr>
@@ -642,7 +642,7 @@
           <p:cNvPr id="4" name="日期占位符 3">
             <a:extLst>
               <a:ext uri="{FF2B5EF4-FFF2-40B4-BE49-F238E27FC236}">
-                <a16:creationId xmlns:a16="http://schemas.microsoft.com/office/drawing/2014/main" id="{2D865385-E8CF-F8FB-D5A9-E87A52F65A79}"/>
+                <a16:creationId xmlns:a16="http://schemas.microsoft.com/office/drawing/2014/main" id="{2FC3CAB7-073B-2B20-723F-FC066AC52EA5}"/>
               </a:ext>
             </a:extLst>
           </p:cNvPr>
@@ -658,7 +658,7 @@
           <a:bodyPr/>
           <a:lstStyle/>
           <a:p>
-            <a:fld id="{DEC9EAFF-E85B-44CE-AF6D-43AA52B1D699}" type="datetimeFigureOut">
+            <a:fld id="{3224800E-920C-4FD7-8A79-2AB57D85C3F0}" type="datetimeFigureOut">
               <a:rPr lang="zh-CN" altLang="en-US" smtClean="0"/>
               <a:t>2024/3/10</a:t>
             </a:fld>
@@ -671,7 +671,7 @@
           <p:cNvPr id="5" name="页脚占位符 4">
             <a:extLst>
               <a:ext uri="{FF2B5EF4-FFF2-40B4-BE49-F238E27FC236}">
-                <a16:creationId xmlns:a16="http://schemas.microsoft.com/office/drawing/2014/main" id="{B0B49002-5CC1-2FA9-7B73-D4296A3F3EEE}"/>
+                <a16:creationId xmlns:a16="http://schemas.microsoft.com/office/drawing/2014/main" id="{41AEB9B8-9546-FE75-C12F-D94BF2E5AA0B}"/>
               </a:ext>
             </a:extLst>
           </p:cNvPr>
@@ -696,7 +696,7 @@
           <p:cNvPr id="6" name="灯片编号占位符 5">
             <a:extLst>
               <a:ext uri="{FF2B5EF4-FFF2-40B4-BE49-F238E27FC236}">
-                <a16:creationId xmlns:a16="http://schemas.microsoft.com/office/drawing/2014/main" id="{6B83675A-6DED-2EE6-7850-2799C3430874}"/>
+                <a16:creationId xmlns:a16="http://schemas.microsoft.com/office/drawing/2014/main" id="{F60379DB-3F7D-86CB-EC70-51C014A6BDB4}"/>
               </a:ext>
             </a:extLst>
           </p:cNvPr>
@@ -712,7 +712,7 @@
           <a:bodyPr/>
           <a:lstStyle/>
           <a:p>
-            <a:fld id="{BD41FB7B-6413-4207-8554-14B4ED57B00B}" type="slidenum">
+            <a:fld id="{4223E149-80CC-401F-B667-D2F458D53932}" type="slidenum">
               <a:rPr lang="zh-CN" altLang="en-US" smtClean="0"/>
               <a:t>‹#›</a:t>
             </a:fld>
@@ -723,7 +723,7 @@
     </p:spTree>
     <p:extLst>
       <p:ext uri="{BB962C8B-B14F-4D97-AF65-F5344CB8AC3E}">
-        <p14:creationId xmlns:p14="http://schemas.microsoft.com/office/powerpoint/2010/main" val="964842415"/>
+        <p14:creationId xmlns:p14="http://schemas.microsoft.com/office/powerpoint/2010/main" val="3122538745"/>
       </p:ext>
     </p:extLst>
   </p:cSld>
@@ -755,7 +755,7 @@
           <p:cNvPr id="2" name="标题 1">
             <a:extLst>
               <a:ext uri="{FF2B5EF4-FFF2-40B4-BE49-F238E27FC236}">
-                <a16:creationId xmlns:a16="http://schemas.microsoft.com/office/drawing/2014/main" id="{DE83BD09-D7FB-26F4-2B89-288B73D7AB4D}"/>
+                <a16:creationId xmlns:a16="http://schemas.microsoft.com/office/drawing/2014/main" id="{E667ADC7-876D-1AC0-EBA7-E5DAD35BC5CB}"/>
               </a:ext>
             </a:extLst>
           </p:cNvPr>
@@ -783,7 +783,7 @@
           <p:cNvPr id="3" name="内容占位符 2">
             <a:extLst>
               <a:ext uri="{FF2B5EF4-FFF2-40B4-BE49-F238E27FC236}">
-                <a16:creationId xmlns:a16="http://schemas.microsoft.com/office/drawing/2014/main" id="{4DE6953B-1E8F-57A8-493B-9C812B20C421}"/>
+                <a16:creationId xmlns:a16="http://schemas.microsoft.com/office/drawing/2014/main" id="{DBEB9FE3-C6E9-76F6-114A-681E682F1012}"/>
               </a:ext>
             </a:extLst>
           </p:cNvPr>
@@ -840,7 +840,7 @@
           <p:cNvPr id="4" name="日期占位符 3">
             <a:extLst>
               <a:ext uri="{FF2B5EF4-FFF2-40B4-BE49-F238E27FC236}">
-                <a16:creationId xmlns:a16="http://schemas.microsoft.com/office/drawing/2014/main" id="{31018BFF-2F4C-E0E6-0063-EE979AC57442}"/>
+                <a16:creationId xmlns:a16="http://schemas.microsoft.com/office/drawing/2014/main" id="{D5B05726-8AA0-BBFC-AB21-ECEE9AF86E45}"/>
               </a:ext>
             </a:extLst>
           </p:cNvPr>
@@ -856,7 +856,7 @@
           <a:bodyPr/>
           <a:lstStyle/>
           <a:p>
-            <a:fld id="{DEC9EAFF-E85B-44CE-AF6D-43AA52B1D699}" type="datetimeFigureOut">
+            <a:fld id="{3224800E-920C-4FD7-8A79-2AB57D85C3F0}" type="datetimeFigureOut">
               <a:rPr lang="zh-CN" altLang="en-US" smtClean="0"/>
               <a:t>2024/3/10</a:t>
             </a:fld>
@@ -869,7 +869,7 @@
           <p:cNvPr id="5" name="页脚占位符 4">
             <a:extLst>
               <a:ext uri="{FF2B5EF4-FFF2-40B4-BE49-F238E27FC236}">
-                <a16:creationId xmlns:a16="http://schemas.microsoft.com/office/drawing/2014/main" id="{84FA518A-A8E3-573E-EF81-909DC6CAF0AE}"/>
+                <a16:creationId xmlns:a16="http://schemas.microsoft.com/office/drawing/2014/main" id="{AD4B70F2-82AC-FCF6-E5C2-4DC3871E0E4E}"/>
               </a:ext>
             </a:extLst>
           </p:cNvPr>
@@ -894,7 +894,7 @@
           <p:cNvPr id="6" name="灯片编号占位符 5">
             <a:extLst>
               <a:ext uri="{FF2B5EF4-FFF2-40B4-BE49-F238E27FC236}">
-                <a16:creationId xmlns:a16="http://schemas.microsoft.com/office/drawing/2014/main" id="{75CBB1D8-3D69-6864-3F4C-F3DD4DE51333}"/>
+                <a16:creationId xmlns:a16="http://schemas.microsoft.com/office/drawing/2014/main" id="{C823BF26-EE0D-61D0-5691-FC35754B951B}"/>
               </a:ext>
             </a:extLst>
           </p:cNvPr>
@@ -910,7 +910,7 @@
           <a:bodyPr/>
           <a:lstStyle/>
           <a:p>
-            <a:fld id="{BD41FB7B-6413-4207-8554-14B4ED57B00B}" type="slidenum">
+            <a:fld id="{4223E149-80CC-401F-B667-D2F458D53932}" type="slidenum">
               <a:rPr lang="zh-CN" altLang="en-US" smtClean="0"/>
               <a:t>‹#›</a:t>
             </a:fld>
@@ -921,7 +921,7 @@
     </p:spTree>
     <p:extLst>
       <p:ext uri="{BB962C8B-B14F-4D97-AF65-F5344CB8AC3E}">
-        <p14:creationId xmlns:p14="http://schemas.microsoft.com/office/powerpoint/2010/main" val="3607176826"/>
+        <p14:creationId xmlns:p14="http://schemas.microsoft.com/office/powerpoint/2010/main" val="2545123057"/>
       </p:ext>
     </p:extLst>
   </p:cSld>
@@ -953,7 +953,7 @@
           <p:cNvPr id="2" name="标题 1">
             <a:extLst>
               <a:ext uri="{FF2B5EF4-FFF2-40B4-BE49-F238E27FC236}">
-                <a16:creationId xmlns:a16="http://schemas.microsoft.com/office/drawing/2014/main" id="{39BE6739-BDB1-4F58-773F-DF9EBAA9B7FD}"/>
+                <a16:creationId xmlns:a16="http://schemas.microsoft.com/office/drawing/2014/main" id="{F3C005E1-E764-0438-C22B-1D70C0ADB935}"/>
               </a:ext>
             </a:extLst>
           </p:cNvPr>
@@ -990,7 +990,7 @@
           <p:cNvPr id="3" name="文本占位符 2">
             <a:extLst>
               <a:ext uri="{FF2B5EF4-FFF2-40B4-BE49-F238E27FC236}">
-                <a16:creationId xmlns:a16="http://schemas.microsoft.com/office/drawing/2014/main" id="{28F10B55-787C-72C3-498D-D6788DE09D19}"/>
+                <a16:creationId xmlns:a16="http://schemas.microsoft.com/office/drawing/2014/main" id="{49554E58-7D77-83CC-6230-8482CE83BDBB}"/>
               </a:ext>
             </a:extLst>
           </p:cNvPr>
@@ -1115,7 +1115,7 @@
           <p:cNvPr id="4" name="日期占位符 3">
             <a:extLst>
               <a:ext uri="{FF2B5EF4-FFF2-40B4-BE49-F238E27FC236}">
-                <a16:creationId xmlns:a16="http://schemas.microsoft.com/office/drawing/2014/main" id="{D11D0F01-C809-70D5-E9AA-17CE0B98559C}"/>
+                <a16:creationId xmlns:a16="http://schemas.microsoft.com/office/drawing/2014/main" id="{35B9E549-F931-75D9-84DD-4C7E903AC9AC}"/>
               </a:ext>
             </a:extLst>
           </p:cNvPr>
@@ -1131,7 +1131,7 @@
           <a:bodyPr/>
           <a:lstStyle/>
           <a:p>
-            <a:fld id="{DEC9EAFF-E85B-44CE-AF6D-43AA52B1D699}" type="datetimeFigureOut">
+            <a:fld id="{3224800E-920C-4FD7-8A79-2AB57D85C3F0}" type="datetimeFigureOut">
               <a:rPr lang="zh-CN" altLang="en-US" smtClean="0"/>
               <a:t>2024/3/10</a:t>
             </a:fld>
@@ -1144,7 +1144,7 @@
           <p:cNvPr id="5" name="页脚占位符 4">
             <a:extLst>
               <a:ext uri="{FF2B5EF4-FFF2-40B4-BE49-F238E27FC236}">
-                <a16:creationId xmlns:a16="http://schemas.microsoft.com/office/drawing/2014/main" id="{5210F571-DCE9-DEED-0725-26EA93B25242}"/>
+                <a16:creationId xmlns:a16="http://schemas.microsoft.com/office/drawing/2014/main" id="{6E9D83AE-3B95-336C-4AEE-C4E60FC6F519}"/>
               </a:ext>
             </a:extLst>
           </p:cNvPr>
@@ -1169,7 +1169,7 @@
           <p:cNvPr id="6" name="灯片编号占位符 5">
             <a:extLst>
               <a:ext uri="{FF2B5EF4-FFF2-40B4-BE49-F238E27FC236}">
-                <a16:creationId xmlns:a16="http://schemas.microsoft.com/office/drawing/2014/main" id="{FFF20069-5EFE-324F-CBA5-0A589838F6D5}"/>
+                <a16:creationId xmlns:a16="http://schemas.microsoft.com/office/drawing/2014/main" id="{7DA68986-3B2C-9AF7-A2A0-A3B84C8CFF91}"/>
               </a:ext>
             </a:extLst>
           </p:cNvPr>
@@ -1185,7 +1185,7 @@
           <a:bodyPr/>
           <a:lstStyle/>
           <a:p>
-            <a:fld id="{BD41FB7B-6413-4207-8554-14B4ED57B00B}" type="slidenum">
+            <a:fld id="{4223E149-80CC-401F-B667-D2F458D53932}" type="slidenum">
               <a:rPr lang="zh-CN" altLang="en-US" smtClean="0"/>
               <a:t>‹#›</a:t>
             </a:fld>
@@ -1196,7 +1196,7 @@
     </p:spTree>
     <p:extLst>
       <p:ext uri="{BB962C8B-B14F-4D97-AF65-F5344CB8AC3E}">
-        <p14:creationId xmlns:p14="http://schemas.microsoft.com/office/powerpoint/2010/main" val="3152804373"/>
+        <p14:creationId xmlns:p14="http://schemas.microsoft.com/office/powerpoint/2010/main" val="2021058808"/>
       </p:ext>
     </p:extLst>
   </p:cSld>
@@ -1228,7 +1228,7 @@
           <p:cNvPr id="2" name="标题 1">
             <a:extLst>
               <a:ext uri="{FF2B5EF4-FFF2-40B4-BE49-F238E27FC236}">
-                <a16:creationId xmlns:a16="http://schemas.microsoft.com/office/drawing/2014/main" id="{53713242-5643-02A2-7D3B-F10FC6F5FA44}"/>
+                <a16:creationId xmlns:a16="http://schemas.microsoft.com/office/drawing/2014/main" id="{0B9EF759-C6CB-014D-3C43-3E9889921ADB}"/>
               </a:ext>
             </a:extLst>
           </p:cNvPr>
@@ -1256,7 +1256,7 @@
           <p:cNvPr id="3" name="内容占位符 2">
             <a:extLst>
               <a:ext uri="{FF2B5EF4-FFF2-40B4-BE49-F238E27FC236}">
-                <a16:creationId xmlns:a16="http://schemas.microsoft.com/office/drawing/2014/main" id="{AEC8DC38-DB93-5FAE-C565-01CB93693286}"/>
+                <a16:creationId xmlns:a16="http://schemas.microsoft.com/office/drawing/2014/main" id="{96E06EB1-789F-95BD-C7D9-D90CC71E06D9}"/>
               </a:ext>
             </a:extLst>
           </p:cNvPr>
@@ -1318,7 +1318,7 @@
           <p:cNvPr id="4" name="内容占位符 3">
             <a:extLst>
               <a:ext uri="{FF2B5EF4-FFF2-40B4-BE49-F238E27FC236}">
-                <a16:creationId xmlns:a16="http://schemas.microsoft.com/office/drawing/2014/main" id="{1422ABF5-A163-738B-C67A-59D73B392B05}"/>
+                <a16:creationId xmlns:a16="http://schemas.microsoft.com/office/drawing/2014/main" id="{C3AF3FBD-4749-E27C-65F8-EEB02B94F643}"/>
               </a:ext>
             </a:extLst>
           </p:cNvPr>
@@ -1380,7 +1380,7 @@
           <p:cNvPr id="5" name="日期占位符 4">
             <a:extLst>
               <a:ext uri="{FF2B5EF4-FFF2-40B4-BE49-F238E27FC236}">
-                <a16:creationId xmlns:a16="http://schemas.microsoft.com/office/drawing/2014/main" id="{CA7CF286-A9C6-4AB9-4F6E-22C34110D14D}"/>
+                <a16:creationId xmlns:a16="http://schemas.microsoft.com/office/drawing/2014/main" id="{5EC6DA0B-50C3-8479-64EC-5D4CD9C1CA17}"/>
               </a:ext>
             </a:extLst>
           </p:cNvPr>
@@ -1396,7 +1396,7 @@
           <a:bodyPr/>
           <a:lstStyle/>
           <a:p>
-            <a:fld id="{DEC9EAFF-E85B-44CE-AF6D-43AA52B1D699}" type="datetimeFigureOut">
+            <a:fld id="{3224800E-920C-4FD7-8A79-2AB57D85C3F0}" type="datetimeFigureOut">
               <a:rPr lang="zh-CN" altLang="en-US" smtClean="0"/>
               <a:t>2024/3/10</a:t>
             </a:fld>
@@ -1409,7 +1409,7 @@
           <p:cNvPr id="6" name="页脚占位符 5">
             <a:extLst>
               <a:ext uri="{FF2B5EF4-FFF2-40B4-BE49-F238E27FC236}">
-                <a16:creationId xmlns:a16="http://schemas.microsoft.com/office/drawing/2014/main" id="{30106831-00DA-0103-5DE0-3E9BF0BEC4E7}"/>
+                <a16:creationId xmlns:a16="http://schemas.microsoft.com/office/drawing/2014/main" id="{2343CE78-3A43-9512-1BC3-7841CFF55D1D}"/>
               </a:ext>
             </a:extLst>
           </p:cNvPr>
@@ -1434,7 +1434,7 @@
           <p:cNvPr id="7" name="灯片编号占位符 6">
             <a:extLst>
               <a:ext uri="{FF2B5EF4-FFF2-40B4-BE49-F238E27FC236}">
-                <a16:creationId xmlns:a16="http://schemas.microsoft.com/office/drawing/2014/main" id="{75D10C85-3B1B-850D-FEC5-A62F8EC3DFE6}"/>
+                <a16:creationId xmlns:a16="http://schemas.microsoft.com/office/drawing/2014/main" id="{29B352AE-F4CB-2D3C-ADB3-518C75511AAE}"/>
               </a:ext>
             </a:extLst>
           </p:cNvPr>
@@ -1450,7 +1450,7 @@
           <a:bodyPr/>
           <a:lstStyle/>
           <a:p>
-            <a:fld id="{BD41FB7B-6413-4207-8554-14B4ED57B00B}" type="slidenum">
+            <a:fld id="{4223E149-80CC-401F-B667-D2F458D53932}" type="slidenum">
               <a:rPr lang="zh-CN" altLang="en-US" smtClean="0"/>
               <a:t>‹#›</a:t>
             </a:fld>
@@ -1461,7 +1461,7 @@
     </p:spTree>
     <p:extLst>
       <p:ext uri="{BB962C8B-B14F-4D97-AF65-F5344CB8AC3E}">
-        <p14:creationId xmlns:p14="http://schemas.microsoft.com/office/powerpoint/2010/main" val="1965065633"/>
+        <p14:creationId xmlns:p14="http://schemas.microsoft.com/office/powerpoint/2010/main" val="408448929"/>
       </p:ext>
     </p:extLst>
   </p:cSld>
@@ -1493,7 +1493,7 @@
           <p:cNvPr id="2" name="标题 1">
             <a:extLst>
               <a:ext uri="{FF2B5EF4-FFF2-40B4-BE49-F238E27FC236}">
-                <a16:creationId xmlns:a16="http://schemas.microsoft.com/office/drawing/2014/main" id="{B9DE0C5F-C91C-545E-11F7-DA630F77B77D}"/>
+                <a16:creationId xmlns:a16="http://schemas.microsoft.com/office/drawing/2014/main" id="{C5FF87A0-FCFC-B303-5D38-7DA77C9D2779}"/>
               </a:ext>
             </a:extLst>
           </p:cNvPr>
@@ -1526,7 +1526,7 @@
           <p:cNvPr id="3" name="文本占位符 2">
             <a:extLst>
               <a:ext uri="{FF2B5EF4-FFF2-40B4-BE49-F238E27FC236}">
-                <a16:creationId xmlns:a16="http://schemas.microsoft.com/office/drawing/2014/main" id="{6DFC6030-E4CD-9219-CA7F-ED59BB0E043A}"/>
+                <a16:creationId xmlns:a16="http://schemas.microsoft.com/office/drawing/2014/main" id="{676D91BF-44F6-8191-6E82-A4866CBB09A3}"/>
               </a:ext>
             </a:extLst>
           </p:cNvPr>
@@ -1597,7 +1597,7 @@
           <p:cNvPr id="4" name="内容占位符 3">
             <a:extLst>
               <a:ext uri="{FF2B5EF4-FFF2-40B4-BE49-F238E27FC236}">
-                <a16:creationId xmlns:a16="http://schemas.microsoft.com/office/drawing/2014/main" id="{AE075C37-8C1B-30B1-C8EE-A6C10DA1CF09}"/>
+                <a16:creationId xmlns:a16="http://schemas.microsoft.com/office/drawing/2014/main" id="{937CCCC7-EB7F-EC06-F4C7-7FA6B2422C28}"/>
               </a:ext>
             </a:extLst>
           </p:cNvPr>
@@ -1659,7 +1659,7 @@
           <p:cNvPr id="5" name="文本占位符 4">
             <a:extLst>
               <a:ext uri="{FF2B5EF4-FFF2-40B4-BE49-F238E27FC236}">
-                <a16:creationId xmlns:a16="http://schemas.microsoft.com/office/drawing/2014/main" id="{A1E3841D-AE0D-F437-834E-CCED7ECF494F}"/>
+                <a16:creationId xmlns:a16="http://schemas.microsoft.com/office/drawing/2014/main" id="{1A6DE073-48B9-5A85-3FEE-3C9F0DF487BE}"/>
               </a:ext>
             </a:extLst>
           </p:cNvPr>
@@ -1730,7 +1730,7 @@
           <p:cNvPr id="6" name="内容占位符 5">
             <a:extLst>
               <a:ext uri="{FF2B5EF4-FFF2-40B4-BE49-F238E27FC236}">
-                <a16:creationId xmlns:a16="http://schemas.microsoft.com/office/drawing/2014/main" id="{878F0E95-0382-F1EF-BD0B-104F82AA62B3}"/>
+                <a16:creationId xmlns:a16="http://schemas.microsoft.com/office/drawing/2014/main" id="{E1D1B388-4969-306D-F280-982644FA6B9E}"/>
               </a:ext>
             </a:extLst>
           </p:cNvPr>
@@ -1792,7 +1792,7 @@
           <p:cNvPr id="7" name="日期占位符 6">
             <a:extLst>
               <a:ext uri="{FF2B5EF4-FFF2-40B4-BE49-F238E27FC236}">
-                <a16:creationId xmlns:a16="http://schemas.microsoft.com/office/drawing/2014/main" id="{55522A9C-9A12-EB7D-89D2-F791196C55AC}"/>
+                <a16:creationId xmlns:a16="http://schemas.microsoft.com/office/drawing/2014/main" id="{A79561FB-B052-CAB0-112A-D6E868A34F3D}"/>
               </a:ext>
             </a:extLst>
           </p:cNvPr>
@@ -1808,7 +1808,7 @@
           <a:bodyPr/>
           <a:lstStyle/>
           <a:p>
-            <a:fld id="{DEC9EAFF-E85B-44CE-AF6D-43AA52B1D699}" type="datetimeFigureOut">
+            <a:fld id="{3224800E-920C-4FD7-8A79-2AB57D85C3F0}" type="datetimeFigureOut">
               <a:rPr lang="zh-CN" altLang="en-US" smtClean="0"/>
               <a:t>2024/3/10</a:t>
             </a:fld>
@@ -1821,7 +1821,7 @@
           <p:cNvPr id="8" name="页脚占位符 7">
             <a:extLst>
               <a:ext uri="{FF2B5EF4-FFF2-40B4-BE49-F238E27FC236}">
-                <a16:creationId xmlns:a16="http://schemas.microsoft.com/office/drawing/2014/main" id="{B407DFB2-B8C7-632B-3634-E13890E796A9}"/>
+                <a16:creationId xmlns:a16="http://schemas.microsoft.com/office/drawing/2014/main" id="{B3B4AE33-86EC-C017-6D52-931CC9687855}"/>
               </a:ext>
             </a:extLst>
           </p:cNvPr>
@@ -1846,7 +1846,7 @@
           <p:cNvPr id="9" name="灯片编号占位符 8">
             <a:extLst>
               <a:ext uri="{FF2B5EF4-FFF2-40B4-BE49-F238E27FC236}">
-                <a16:creationId xmlns:a16="http://schemas.microsoft.com/office/drawing/2014/main" id="{63AFAEE8-06EE-C1AC-940D-A9E9804640D3}"/>
+                <a16:creationId xmlns:a16="http://schemas.microsoft.com/office/drawing/2014/main" id="{AA43042C-F050-2992-A376-93477B8884B6}"/>
               </a:ext>
             </a:extLst>
           </p:cNvPr>
@@ -1862,7 +1862,7 @@
           <a:bodyPr/>
           <a:lstStyle/>
           <a:p>
-            <a:fld id="{BD41FB7B-6413-4207-8554-14B4ED57B00B}" type="slidenum">
+            <a:fld id="{4223E149-80CC-401F-B667-D2F458D53932}" type="slidenum">
               <a:rPr lang="zh-CN" altLang="en-US" smtClean="0"/>
               <a:t>‹#›</a:t>
             </a:fld>
@@ -1873,7 +1873,7 @@
     </p:spTree>
     <p:extLst>
       <p:ext uri="{BB962C8B-B14F-4D97-AF65-F5344CB8AC3E}">
-        <p14:creationId xmlns:p14="http://schemas.microsoft.com/office/powerpoint/2010/main" val="158685442"/>
+        <p14:creationId xmlns:p14="http://schemas.microsoft.com/office/powerpoint/2010/main" val="451662291"/>
       </p:ext>
     </p:extLst>
   </p:cSld>
@@ -1905,7 +1905,7 @@
           <p:cNvPr id="2" name="标题 1">
             <a:extLst>
               <a:ext uri="{FF2B5EF4-FFF2-40B4-BE49-F238E27FC236}">
-                <a16:creationId xmlns:a16="http://schemas.microsoft.com/office/drawing/2014/main" id="{141EFA7F-25CA-A375-63C2-E21814B5646A}"/>
+                <a16:creationId xmlns:a16="http://schemas.microsoft.com/office/drawing/2014/main" id="{0D5D7030-CAE5-8FE8-27DF-9DF23A033A64}"/>
               </a:ext>
             </a:extLst>
           </p:cNvPr>
@@ -1933,7 +1933,7 @@
           <p:cNvPr id="3" name="日期占位符 2">
             <a:extLst>
               <a:ext uri="{FF2B5EF4-FFF2-40B4-BE49-F238E27FC236}">
-                <a16:creationId xmlns:a16="http://schemas.microsoft.com/office/drawing/2014/main" id="{3E9D90A9-57A4-79B6-3603-84D32CC013B0}"/>
+                <a16:creationId xmlns:a16="http://schemas.microsoft.com/office/drawing/2014/main" id="{4290BF29-6143-EF18-5013-0D2961A2C783}"/>
               </a:ext>
             </a:extLst>
           </p:cNvPr>
@@ -1949,7 +1949,7 @@
           <a:bodyPr/>
           <a:lstStyle/>
           <a:p>
-            <a:fld id="{DEC9EAFF-E85B-44CE-AF6D-43AA52B1D699}" type="datetimeFigureOut">
+            <a:fld id="{3224800E-920C-4FD7-8A79-2AB57D85C3F0}" type="datetimeFigureOut">
               <a:rPr lang="zh-CN" altLang="en-US" smtClean="0"/>
               <a:t>2024/3/10</a:t>
             </a:fld>
@@ -1962,7 +1962,7 @@
           <p:cNvPr id="4" name="页脚占位符 3">
             <a:extLst>
               <a:ext uri="{FF2B5EF4-FFF2-40B4-BE49-F238E27FC236}">
-                <a16:creationId xmlns:a16="http://schemas.microsoft.com/office/drawing/2014/main" id="{E0A7731D-E3D0-2550-41E0-89875BE20472}"/>
+                <a16:creationId xmlns:a16="http://schemas.microsoft.com/office/drawing/2014/main" id="{E25B286D-32C4-71E2-1E81-3E5BFAEE5EA7}"/>
               </a:ext>
             </a:extLst>
           </p:cNvPr>
@@ -1987,7 +1987,7 @@
           <p:cNvPr id="5" name="灯片编号占位符 4">
             <a:extLst>
               <a:ext uri="{FF2B5EF4-FFF2-40B4-BE49-F238E27FC236}">
-                <a16:creationId xmlns:a16="http://schemas.microsoft.com/office/drawing/2014/main" id="{D4981176-56B6-6DAA-85FF-CB59799309CD}"/>
+                <a16:creationId xmlns:a16="http://schemas.microsoft.com/office/drawing/2014/main" id="{59879541-1301-3142-3557-8EEA57178151}"/>
               </a:ext>
             </a:extLst>
           </p:cNvPr>
@@ -2003,7 +2003,7 @@
           <a:bodyPr/>
           <a:lstStyle/>
           <a:p>
-            <a:fld id="{BD41FB7B-6413-4207-8554-14B4ED57B00B}" type="slidenum">
+            <a:fld id="{4223E149-80CC-401F-B667-D2F458D53932}" type="slidenum">
               <a:rPr lang="zh-CN" altLang="en-US" smtClean="0"/>
               <a:t>‹#›</a:t>
             </a:fld>
@@ -2014,7 +2014,7 @@
     </p:spTree>
     <p:extLst>
       <p:ext uri="{BB962C8B-B14F-4D97-AF65-F5344CB8AC3E}">
-        <p14:creationId xmlns:p14="http://schemas.microsoft.com/office/powerpoint/2010/main" val="890327107"/>
+        <p14:creationId xmlns:p14="http://schemas.microsoft.com/office/powerpoint/2010/main" val="2149486556"/>
       </p:ext>
     </p:extLst>
   </p:cSld>
@@ -2046,7 +2046,7 @@
           <p:cNvPr id="2" name="日期占位符 1">
             <a:extLst>
               <a:ext uri="{FF2B5EF4-FFF2-40B4-BE49-F238E27FC236}">
-                <a16:creationId xmlns:a16="http://schemas.microsoft.com/office/drawing/2014/main" id="{84FB47FD-5FC7-E69A-75AD-E85C9FCBE70F}"/>
+                <a16:creationId xmlns:a16="http://schemas.microsoft.com/office/drawing/2014/main" id="{6BFA408A-0981-46E1-10BA-AACA40311EFF}"/>
               </a:ext>
             </a:extLst>
           </p:cNvPr>
@@ -2062,7 +2062,7 @@
           <a:bodyPr/>
           <a:lstStyle/>
           <a:p>
-            <a:fld id="{DEC9EAFF-E85B-44CE-AF6D-43AA52B1D699}" type="datetimeFigureOut">
+            <a:fld id="{3224800E-920C-4FD7-8A79-2AB57D85C3F0}" type="datetimeFigureOut">
               <a:rPr lang="zh-CN" altLang="en-US" smtClean="0"/>
               <a:t>2024/3/10</a:t>
             </a:fld>
@@ -2075,7 +2075,7 @@
           <p:cNvPr id="3" name="页脚占位符 2">
             <a:extLst>
               <a:ext uri="{FF2B5EF4-FFF2-40B4-BE49-F238E27FC236}">
-                <a16:creationId xmlns:a16="http://schemas.microsoft.com/office/drawing/2014/main" id="{53142E6D-4F20-E36E-4AD6-39FF2A02308C}"/>
+                <a16:creationId xmlns:a16="http://schemas.microsoft.com/office/drawing/2014/main" id="{ACCE5A3F-5954-C123-72D1-AA3D4B00753C}"/>
               </a:ext>
             </a:extLst>
           </p:cNvPr>
@@ -2100,7 +2100,7 @@
           <p:cNvPr id="4" name="灯片编号占位符 3">
             <a:extLst>
               <a:ext uri="{FF2B5EF4-FFF2-40B4-BE49-F238E27FC236}">
-                <a16:creationId xmlns:a16="http://schemas.microsoft.com/office/drawing/2014/main" id="{5CDB244B-F3DF-835D-0C92-2CAEC3A4206F}"/>
+                <a16:creationId xmlns:a16="http://schemas.microsoft.com/office/drawing/2014/main" id="{5DB43404-BB58-4C1B-1AE3-AED1FE09683B}"/>
               </a:ext>
             </a:extLst>
           </p:cNvPr>
@@ -2116,7 +2116,7 @@
           <a:bodyPr/>
           <a:lstStyle/>
           <a:p>
-            <a:fld id="{BD41FB7B-6413-4207-8554-14B4ED57B00B}" type="slidenum">
+            <a:fld id="{4223E149-80CC-401F-B667-D2F458D53932}" type="slidenum">
               <a:rPr lang="zh-CN" altLang="en-US" smtClean="0"/>
               <a:t>‹#›</a:t>
             </a:fld>
@@ -2127,7 +2127,7 @@
     </p:spTree>
     <p:extLst>
       <p:ext uri="{BB962C8B-B14F-4D97-AF65-F5344CB8AC3E}">
-        <p14:creationId xmlns:p14="http://schemas.microsoft.com/office/powerpoint/2010/main" val="4012732764"/>
+        <p14:creationId xmlns:p14="http://schemas.microsoft.com/office/powerpoint/2010/main" val="2330727002"/>
       </p:ext>
     </p:extLst>
   </p:cSld>
@@ -2159,7 +2159,7 @@
           <p:cNvPr id="2" name="标题 1">
             <a:extLst>
               <a:ext uri="{FF2B5EF4-FFF2-40B4-BE49-F238E27FC236}">
-                <a16:creationId xmlns:a16="http://schemas.microsoft.com/office/drawing/2014/main" id="{C8819F30-39A1-7BE4-7E35-85EA7BD6A0CE}"/>
+                <a16:creationId xmlns:a16="http://schemas.microsoft.com/office/drawing/2014/main" id="{D3632E22-C714-3FFE-1072-214415911FC5}"/>
               </a:ext>
             </a:extLst>
           </p:cNvPr>
@@ -2196,7 +2196,7 @@
           <p:cNvPr id="3" name="内容占位符 2">
             <a:extLst>
               <a:ext uri="{FF2B5EF4-FFF2-40B4-BE49-F238E27FC236}">
-                <a16:creationId xmlns:a16="http://schemas.microsoft.com/office/drawing/2014/main" id="{84E25947-B51D-DC4C-F0FF-ACD2F45EBAE7}"/>
+                <a16:creationId xmlns:a16="http://schemas.microsoft.com/office/drawing/2014/main" id="{2E2274FA-E489-5983-0C5F-A1017E574091}"/>
               </a:ext>
             </a:extLst>
           </p:cNvPr>
@@ -2286,7 +2286,7 @@
           <p:cNvPr id="4" name="文本占位符 3">
             <a:extLst>
               <a:ext uri="{FF2B5EF4-FFF2-40B4-BE49-F238E27FC236}">
-                <a16:creationId xmlns:a16="http://schemas.microsoft.com/office/drawing/2014/main" id="{C1BD21BB-CF71-BA71-5F5A-8034E8B84670}"/>
+                <a16:creationId xmlns:a16="http://schemas.microsoft.com/office/drawing/2014/main" id="{251183EF-0044-0C0E-2329-A56E55B32153}"/>
               </a:ext>
             </a:extLst>
           </p:cNvPr>
@@ -2357,7 +2357,7 @@
           <p:cNvPr id="5" name="日期占位符 4">
             <a:extLst>
               <a:ext uri="{FF2B5EF4-FFF2-40B4-BE49-F238E27FC236}">
-                <a16:creationId xmlns:a16="http://schemas.microsoft.com/office/drawing/2014/main" id="{1DADCF06-3083-5302-D80C-9E3D1B32567C}"/>
+                <a16:creationId xmlns:a16="http://schemas.microsoft.com/office/drawing/2014/main" id="{AFB0BA5C-0CA6-568B-AC87-FFF3D08AE2C7}"/>
               </a:ext>
             </a:extLst>
           </p:cNvPr>
@@ -2373,7 +2373,7 @@
           <a:bodyPr/>
           <a:lstStyle/>
           <a:p>
-            <a:fld id="{DEC9EAFF-E85B-44CE-AF6D-43AA52B1D699}" type="datetimeFigureOut">
+            <a:fld id="{3224800E-920C-4FD7-8A79-2AB57D85C3F0}" type="datetimeFigureOut">
               <a:rPr lang="zh-CN" altLang="en-US" smtClean="0"/>
               <a:t>2024/3/10</a:t>
             </a:fld>
@@ -2386,7 +2386,7 @@
           <p:cNvPr id="6" name="页脚占位符 5">
             <a:extLst>
               <a:ext uri="{FF2B5EF4-FFF2-40B4-BE49-F238E27FC236}">
-                <a16:creationId xmlns:a16="http://schemas.microsoft.com/office/drawing/2014/main" id="{1F19477C-8A48-0452-1C2D-A763E71CEFD0}"/>
+                <a16:creationId xmlns:a16="http://schemas.microsoft.com/office/drawing/2014/main" id="{23F0E0DB-F8EE-5092-B6C7-0F2E3B72B70A}"/>
               </a:ext>
             </a:extLst>
           </p:cNvPr>
@@ -2411,7 +2411,7 @@
           <p:cNvPr id="7" name="灯片编号占位符 6">
             <a:extLst>
               <a:ext uri="{FF2B5EF4-FFF2-40B4-BE49-F238E27FC236}">
-                <a16:creationId xmlns:a16="http://schemas.microsoft.com/office/drawing/2014/main" id="{E1CBE01F-C245-F030-581C-9CE41702855D}"/>
+                <a16:creationId xmlns:a16="http://schemas.microsoft.com/office/drawing/2014/main" id="{A256734F-AC78-A9E4-2B82-3F0F6DEEE62C}"/>
               </a:ext>
             </a:extLst>
           </p:cNvPr>
@@ -2427,7 +2427,7 @@
           <a:bodyPr/>
           <a:lstStyle/>
           <a:p>
-            <a:fld id="{BD41FB7B-6413-4207-8554-14B4ED57B00B}" type="slidenum">
+            <a:fld id="{4223E149-80CC-401F-B667-D2F458D53932}" type="slidenum">
               <a:rPr lang="zh-CN" altLang="en-US" smtClean="0"/>
               <a:t>‹#›</a:t>
             </a:fld>
@@ -2438,7 +2438,7 @@
     </p:spTree>
     <p:extLst>
       <p:ext uri="{BB962C8B-B14F-4D97-AF65-F5344CB8AC3E}">
-        <p14:creationId xmlns:p14="http://schemas.microsoft.com/office/powerpoint/2010/main" val="2684669532"/>
+        <p14:creationId xmlns:p14="http://schemas.microsoft.com/office/powerpoint/2010/main" val="4077868508"/>
       </p:ext>
     </p:extLst>
   </p:cSld>
@@ -2470,7 +2470,7 @@
           <p:cNvPr id="2" name="标题 1">
             <a:extLst>
               <a:ext uri="{FF2B5EF4-FFF2-40B4-BE49-F238E27FC236}">
-                <a16:creationId xmlns:a16="http://schemas.microsoft.com/office/drawing/2014/main" id="{93EF8E49-3DE7-D7A1-1056-D7E66B61A2D8}"/>
+                <a16:creationId xmlns:a16="http://schemas.microsoft.com/office/drawing/2014/main" id="{71CBD658-5574-3F1D-F196-9AFB046EF04B}"/>
               </a:ext>
             </a:extLst>
           </p:cNvPr>
@@ -2507,7 +2507,7 @@
           <p:cNvPr id="3" name="图片占位符 2">
             <a:extLst>
               <a:ext uri="{FF2B5EF4-FFF2-40B4-BE49-F238E27FC236}">
-                <a16:creationId xmlns:a16="http://schemas.microsoft.com/office/drawing/2014/main" id="{39A3F177-3102-55E7-652A-88994F1E6FF5}"/>
+                <a16:creationId xmlns:a16="http://schemas.microsoft.com/office/drawing/2014/main" id="{23DE51AC-2CF9-3A67-67D1-49579A24CE70}"/>
               </a:ext>
             </a:extLst>
           </p:cNvPr>
@@ -2574,7 +2574,7 @@
           <p:cNvPr id="4" name="文本占位符 3">
             <a:extLst>
               <a:ext uri="{FF2B5EF4-FFF2-40B4-BE49-F238E27FC236}">
-                <a16:creationId xmlns:a16="http://schemas.microsoft.com/office/drawing/2014/main" id="{10D6D80B-621D-A1EB-600D-9E0C1B2D1B82}"/>
+                <a16:creationId xmlns:a16="http://schemas.microsoft.com/office/drawing/2014/main" id="{36BF6D99-FC4B-D735-4220-5293DC556C1F}"/>
               </a:ext>
             </a:extLst>
           </p:cNvPr>
@@ -2645,7 +2645,7 @@
           <p:cNvPr id="5" name="日期占位符 4">
             <a:extLst>
               <a:ext uri="{FF2B5EF4-FFF2-40B4-BE49-F238E27FC236}">
-                <a16:creationId xmlns:a16="http://schemas.microsoft.com/office/drawing/2014/main" id="{6BEA1409-0A4A-6C86-15D0-DDDFF9357D42}"/>
+                <a16:creationId xmlns:a16="http://schemas.microsoft.com/office/drawing/2014/main" id="{90514F21-768F-6540-EFE6-349B88BE1808}"/>
               </a:ext>
             </a:extLst>
           </p:cNvPr>
@@ -2661,7 +2661,7 @@
           <a:bodyPr/>
           <a:lstStyle/>
           <a:p>
-            <a:fld id="{DEC9EAFF-E85B-44CE-AF6D-43AA52B1D699}" type="datetimeFigureOut">
+            <a:fld id="{3224800E-920C-4FD7-8A79-2AB57D85C3F0}" type="datetimeFigureOut">
               <a:rPr lang="zh-CN" altLang="en-US" smtClean="0"/>
               <a:t>2024/3/10</a:t>
             </a:fld>
@@ -2674,7 +2674,7 @@
           <p:cNvPr id="6" name="页脚占位符 5">
             <a:extLst>
               <a:ext uri="{FF2B5EF4-FFF2-40B4-BE49-F238E27FC236}">
-                <a16:creationId xmlns:a16="http://schemas.microsoft.com/office/drawing/2014/main" id="{1C9D668E-8E12-7CDC-6CBF-6D74A34BB3BA}"/>
+                <a16:creationId xmlns:a16="http://schemas.microsoft.com/office/drawing/2014/main" id="{0B4E7919-125D-204D-B0DA-9044B319965E}"/>
               </a:ext>
             </a:extLst>
           </p:cNvPr>
@@ -2699,7 +2699,7 @@
           <p:cNvPr id="7" name="灯片编号占位符 6">
             <a:extLst>
               <a:ext uri="{FF2B5EF4-FFF2-40B4-BE49-F238E27FC236}">
-                <a16:creationId xmlns:a16="http://schemas.microsoft.com/office/drawing/2014/main" id="{DDCDBCA8-BCFB-9DB4-4C55-23A0434A9CF3}"/>
+                <a16:creationId xmlns:a16="http://schemas.microsoft.com/office/drawing/2014/main" id="{75BF37F3-147C-0790-47EC-C8C74AA39E4E}"/>
               </a:ext>
             </a:extLst>
           </p:cNvPr>
@@ -2715,7 +2715,7 @@
           <a:bodyPr/>
           <a:lstStyle/>
           <a:p>
-            <a:fld id="{BD41FB7B-6413-4207-8554-14B4ED57B00B}" type="slidenum">
+            <a:fld id="{4223E149-80CC-401F-B667-D2F458D53932}" type="slidenum">
               <a:rPr lang="zh-CN" altLang="en-US" smtClean="0"/>
               <a:t>‹#›</a:t>
             </a:fld>
@@ -2726,7 +2726,7 @@
     </p:spTree>
     <p:extLst>
       <p:ext uri="{BB962C8B-B14F-4D97-AF65-F5344CB8AC3E}">
-        <p14:creationId xmlns:p14="http://schemas.microsoft.com/office/powerpoint/2010/main" val="4061308867"/>
+        <p14:creationId xmlns:p14="http://schemas.microsoft.com/office/powerpoint/2010/main" val="2647595130"/>
       </p:ext>
     </p:extLst>
   </p:cSld>
@@ -2763,7 +2763,7 @@
           <p:cNvPr id="2" name="标题占位符 1">
             <a:extLst>
               <a:ext uri="{FF2B5EF4-FFF2-40B4-BE49-F238E27FC236}">
-                <a16:creationId xmlns:a16="http://schemas.microsoft.com/office/drawing/2014/main" id="{220EEB3A-F483-3DB9-3143-83F45BA1FCD3}"/>
+                <a16:creationId xmlns:a16="http://schemas.microsoft.com/office/drawing/2014/main" id="{BBE347B3-E19F-F1ED-F74D-12DD18353D76}"/>
               </a:ext>
             </a:extLst>
           </p:cNvPr>
@@ -2801,7 +2801,7 @@
           <p:cNvPr id="3" name="文本占位符 2">
             <a:extLst>
               <a:ext uri="{FF2B5EF4-FFF2-40B4-BE49-F238E27FC236}">
-                <a16:creationId xmlns:a16="http://schemas.microsoft.com/office/drawing/2014/main" id="{B0A13D57-B305-8A92-7032-7E6DB5C3EB4D}"/>
+                <a16:creationId xmlns:a16="http://schemas.microsoft.com/office/drawing/2014/main" id="{0A97289F-21E9-D4AC-F881-B8B2C9B06F91}"/>
               </a:ext>
             </a:extLst>
           </p:cNvPr>
@@ -2868,7 +2868,7 @@
           <p:cNvPr id="4" name="日期占位符 3">
             <a:extLst>
               <a:ext uri="{FF2B5EF4-FFF2-40B4-BE49-F238E27FC236}">
-                <a16:creationId xmlns:a16="http://schemas.microsoft.com/office/drawing/2014/main" id="{B560EEBB-5C85-B9CA-A1CB-A311A4741A89}"/>
+                <a16:creationId xmlns:a16="http://schemas.microsoft.com/office/drawing/2014/main" id="{4C4AA74A-B63C-E888-D02D-F719A7FA185E}"/>
               </a:ext>
             </a:extLst>
           </p:cNvPr>
@@ -2902,7 +2902,7 @@
             </a:lvl1pPr>
           </a:lstStyle>
           <a:p>
-            <a:fld id="{DEC9EAFF-E85B-44CE-AF6D-43AA52B1D699}" type="datetimeFigureOut">
+            <a:fld id="{3224800E-920C-4FD7-8A79-2AB57D85C3F0}" type="datetimeFigureOut">
               <a:rPr lang="zh-CN" altLang="en-US" smtClean="0"/>
               <a:t>2024/3/10</a:t>
             </a:fld>
@@ -2915,7 +2915,7 @@
           <p:cNvPr id="5" name="页脚占位符 4">
             <a:extLst>
               <a:ext uri="{FF2B5EF4-FFF2-40B4-BE49-F238E27FC236}">
-                <a16:creationId xmlns:a16="http://schemas.microsoft.com/office/drawing/2014/main" id="{3AFBCA8A-8776-349F-35C0-106E2051422E}"/>
+                <a16:creationId xmlns:a16="http://schemas.microsoft.com/office/drawing/2014/main" id="{2EA265B5-FA08-659B-431D-9546776FE107}"/>
               </a:ext>
             </a:extLst>
           </p:cNvPr>
@@ -2958,7 +2958,7 @@
           <p:cNvPr id="6" name="灯片编号占位符 5">
             <a:extLst>
               <a:ext uri="{FF2B5EF4-FFF2-40B4-BE49-F238E27FC236}">
-                <a16:creationId xmlns:a16="http://schemas.microsoft.com/office/drawing/2014/main" id="{E1CA8287-9728-E34A-F3CD-2AB96195A17C}"/>
+                <a16:creationId xmlns:a16="http://schemas.microsoft.com/office/drawing/2014/main" id="{3FE9DC7A-3977-64E0-C4A2-8655F235D53B}"/>
               </a:ext>
             </a:extLst>
           </p:cNvPr>
@@ -2992,7 +2992,7 @@
             </a:lvl1pPr>
           </a:lstStyle>
           <a:p>
-            <a:fld id="{BD41FB7B-6413-4207-8554-14B4ED57B00B}" type="slidenum">
+            <a:fld id="{4223E149-80CC-401F-B667-D2F458D53932}" type="slidenum">
               <a:rPr lang="zh-CN" altLang="en-US" smtClean="0"/>
               <a:t>‹#›</a:t>
             </a:fld>
@@ -3003,7 +3003,7 @@
     </p:spTree>
     <p:extLst>
       <p:ext uri="{BB962C8B-B14F-4D97-AF65-F5344CB8AC3E}">
-        <p14:creationId xmlns:p14="http://schemas.microsoft.com/office/powerpoint/2010/main" val="3588754032"/>
+        <p14:creationId xmlns:p14="http://schemas.microsoft.com/office/powerpoint/2010/main" val="90880819"/>
       </p:ext>
     </p:extLst>
   </p:cSld>
